--- a/GMAB_AI_Lead_Generation_Presentation_20251019.pptx
+++ b/GMAB_AI_Lead_Generation_Presentation_20251019.pptx
@@ -5,27 +5,27 @@
     <p:sldMasterId id="2147483648" r:id="rId1"/>
   </p:sldMasterIdLst>
   <p:sldIdLst>
-    <p:sldId id="256" r:id="rId7"/>
-    <p:sldId id="257" r:id="rId8"/>
-    <p:sldId id="258" r:id="rId9"/>
-    <p:sldId id="259" r:id="rId10"/>
-    <p:sldId id="260" r:id="rId11"/>
-    <p:sldId id="261" r:id="rId12"/>
-    <p:sldId id="262" r:id="rId13"/>
-    <p:sldId id="263" r:id="rId14"/>
-    <p:sldId id="264" r:id="rId15"/>
-    <p:sldId id="265" r:id="rId16"/>
-    <p:sldId id="266" r:id="rId17"/>
-    <p:sldId id="267" r:id="rId18"/>
-    <p:sldId id="268" r:id="rId19"/>
-    <p:sldId id="269" r:id="rId20"/>
-    <p:sldId id="270" r:id="rId21"/>
-    <p:sldId id="271" r:id="rId22"/>
-    <p:sldId id="272" r:id="rId23"/>
-    <p:sldId id="273" r:id="rId24"/>
-    <p:sldId id="274" r:id="rId25"/>
-    <p:sldId id="275" r:id="rId26"/>
-    <p:sldId id="276" r:id="rId27"/>
+    <p:sldId id="256" r:id="rId2"/>
+    <p:sldId id="257" r:id="rId3"/>
+    <p:sldId id="258" r:id="rId4"/>
+    <p:sldId id="259" r:id="rId5"/>
+    <p:sldId id="260" r:id="rId6"/>
+    <p:sldId id="261" r:id="rId7"/>
+    <p:sldId id="262" r:id="rId8"/>
+    <p:sldId id="263" r:id="rId9"/>
+    <p:sldId id="264" r:id="rId10"/>
+    <p:sldId id="265" r:id="rId11"/>
+    <p:sldId id="266" r:id="rId12"/>
+    <p:sldId id="267" r:id="rId13"/>
+    <p:sldId id="268" r:id="rId14"/>
+    <p:sldId id="269" r:id="rId15"/>
+    <p:sldId id="270" r:id="rId16"/>
+    <p:sldId id="271" r:id="rId17"/>
+    <p:sldId id="272" r:id="rId18"/>
+    <p:sldId id="273" r:id="rId19"/>
+    <p:sldId id="274" r:id="rId20"/>
+    <p:sldId id="275" r:id="rId21"/>
+    <p:sldId id="276" r:id="rId22"/>
   </p:sldIdLst>
   <p:sldSz cx="9144000" cy="6858000" type="screen4x3"/>
   <p:notesSz cx="6858000" cy="9144000"/>
@@ -124,6 +124,22 @@
       </a:defRPr>
     </a:lvl9pPr>
   </p:defaultTextStyle>
+  <p:extLst>
+    <p:ext uri="{EFAFB233-063F-42B5-8137-9DF3F51BA10A}">
+      <p15:sldGuideLst xmlns:p15="http://schemas.microsoft.com/office/powerpoint/2012/main">
+        <p15:guide id="1" orient="horz" pos="2160">
+          <p15:clr>
+            <a:srgbClr val="A4A3A4"/>
+          </p15:clr>
+        </p15:guide>
+        <p15:guide id="2" pos="2880">
+          <p15:clr>
+            <a:srgbClr val="A4A3A4"/>
+          </p15:clr>
+        </p15:guide>
+      </p15:sldGuideLst>
+    </p:ext>
+  </p:extLst>
 </p:presentation>
 </file>
 
@@ -165,10 +181,9 @@
           <a:lstStyle/>
           <a:p>
             <a:r>
-              <a:rPr lang="en-US" smtClean="0"/>
+              <a:rPr lang="en-US"/>
               <a:t>Click to edit Master title style</a:t>
             </a:r>
-            <a:endParaRPr lang="en-US"/>
           </a:p>
         </p:txBody>
       </p:sp>
@@ -284,10 +299,9 @@
           </a:lstStyle>
           <a:p>
             <a:r>
-              <a:rPr lang="en-US" smtClean="0"/>
+              <a:rPr lang="en-US"/>
               <a:t>Click to edit Master subtitle style</a:t>
             </a:r>
-            <a:endParaRPr lang="en-US"/>
           </a:p>
         </p:txBody>
       </p:sp>
@@ -308,7 +322,7 @@
           <a:p>
             <a:fld id="{5BCAD085-E8A6-8845-BD4E-CB4CCA059FC4}" type="datetimeFigureOut">
               <a:rPr lang="en-US" smtClean="0"/>
-              <a:t>1/27/13</a:t>
+              <a:t>10/19/2025</a:t>
             </a:fld>
             <a:endParaRPr lang="en-US"/>
           </a:p>
@@ -402,10 +416,9 @@
           <a:lstStyle/>
           <a:p>
             <a:r>
-              <a:rPr lang="en-US" smtClean="0"/>
+              <a:rPr lang="en-US"/>
               <a:t>Click to edit Master title style</a:t>
             </a:r>
-            <a:endParaRPr lang="en-US"/>
           </a:p>
         </p:txBody>
       </p:sp>
@@ -426,38 +439,37 @@
           <a:p>
             <a:pPr lvl="0"/>
             <a:r>
-              <a:rPr lang="en-US" smtClean="0"/>
+              <a:rPr lang="en-US"/>
               <a:t>Click to edit Master text styles</a:t>
             </a:r>
           </a:p>
           <a:p>
             <a:pPr lvl="1"/>
             <a:r>
-              <a:rPr lang="en-US" smtClean="0"/>
+              <a:rPr lang="en-US"/>
               <a:t>Second level</a:t>
             </a:r>
           </a:p>
           <a:p>
             <a:pPr lvl="2"/>
             <a:r>
-              <a:rPr lang="en-US" smtClean="0"/>
+              <a:rPr lang="en-US"/>
               <a:t>Third level</a:t>
             </a:r>
           </a:p>
           <a:p>
             <a:pPr lvl="3"/>
             <a:r>
-              <a:rPr lang="en-US" smtClean="0"/>
+              <a:rPr lang="en-US"/>
               <a:t>Fourth level</a:t>
             </a:r>
           </a:p>
           <a:p>
             <a:pPr lvl="4"/>
             <a:r>
-              <a:rPr lang="en-US" smtClean="0"/>
+              <a:rPr lang="en-US"/>
               <a:t>Fifth level</a:t>
             </a:r>
-            <a:endParaRPr lang="en-US"/>
           </a:p>
         </p:txBody>
       </p:sp>
@@ -478,7 +490,7 @@
           <a:p>
             <a:fld id="{5BCAD085-E8A6-8845-BD4E-CB4CCA059FC4}" type="datetimeFigureOut">
               <a:rPr lang="en-US" smtClean="0"/>
-              <a:t>1/27/13</a:t>
+              <a:t>10/19/2025</a:t>
             </a:fld>
             <a:endParaRPr lang="en-US"/>
           </a:p>
@@ -577,10 +589,9 @@
           <a:lstStyle/>
           <a:p>
             <a:r>
-              <a:rPr lang="en-US" smtClean="0"/>
+              <a:rPr lang="en-US"/>
               <a:t>Click to edit Master title style</a:t>
             </a:r>
-            <a:endParaRPr lang="en-US"/>
           </a:p>
         </p:txBody>
       </p:sp>
@@ -606,38 +617,37 @@
           <a:p>
             <a:pPr lvl="0"/>
             <a:r>
-              <a:rPr lang="en-US" smtClean="0"/>
+              <a:rPr lang="en-US"/>
               <a:t>Click to edit Master text styles</a:t>
             </a:r>
           </a:p>
           <a:p>
             <a:pPr lvl="1"/>
             <a:r>
-              <a:rPr lang="en-US" smtClean="0"/>
+              <a:rPr lang="en-US"/>
               <a:t>Second level</a:t>
             </a:r>
           </a:p>
           <a:p>
             <a:pPr lvl="2"/>
             <a:r>
-              <a:rPr lang="en-US" smtClean="0"/>
+              <a:rPr lang="en-US"/>
               <a:t>Third level</a:t>
             </a:r>
           </a:p>
           <a:p>
             <a:pPr lvl="3"/>
             <a:r>
-              <a:rPr lang="en-US" smtClean="0"/>
+              <a:rPr lang="en-US"/>
               <a:t>Fourth level</a:t>
             </a:r>
           </a:p>
           <a:p>
             <a:pPr lvl="4"/>
             <a:r>
-              <a:rPr lang="en-US" smtClean="0"/>
+              <a:rPr lang="en-US"/>
               <a:t>Fifth level</a:t>
             </a:r>
-            <a:endParaRPr lang="en-US"/>
           </a:p>
         </p:txBody>
       </p:sp>
@@ -658,7 +668,7 @@
           <a:p>
             <a:fld id="{5BCAD085-E8A6-8845-BD4E-CB4CCA059FC4}" type="datetimeFigureOut">
               <a:rPr lang="en-US" smtClean="0"/>
-              <a:t>1/27/13</a:t>
+              <a:t>10/19/2025</a:t>
             </a:fld>
             <a:endParaRPr lang="en-US"/>
           </a:p>
@@ -752,10 +762,9 @@
           <a:lstStyle/>
           <a:p>
             <a:r>
-              <a:rPr lang="en-US" smtClean="0"/>
+              <a:rPr lang="en-US"/>
               <a:t>Click to edit Master title style</a:t>
             </a:r>
-            <a:endParaRPr lang="en-US"/>
           </a:p>
         </p:txBody>
       </p:sp>
@@ -776,38 +785,37 @@
           <a:p>
             <a:pPr lvl="0"/>
             <a:r>
-              <a:rPr lang="en-US" smtClean="0"/>
+              <a:rPr lang="en-US"/>
               <a:t>Click to edit Master text styles</a:t>
             </a:r>
           </a:p>
           <a:p>
             <a:pPr lvl="1"/>
             <a:r>
-              <a:rPr lang="en-US" smtClean="0"/>
+              <a:rPr lang="en-US"/>
               <a:t>Second level</a:t>
             </a:r>
           </a:p>
           <a:p>
             <a:pPr lvl="2"/>
             <a:r>
-              <a:rPr lang="en-US" smtClean="0"/>
+              <a:rPr lang="en-US"/>
               <a:t>Third level</a:t>
             </a:r>
           </a:p>
           <a:p>
             <a:pPr lvl="3"/>
             <a:r>
-              <a:rPr lang="en-US" smtClean="0"/>
+              <a:rPr lang="en-US"/>
               <a:t>Fourth level</a:t>
             </a:r>
           </a:p>
           <a:p>
             <a:pPr lvl="4"/>
             <a:r>
-              <a:rPr lang="en-US" smtClean="0"/>
+              <a:rPr lang="en-US"/>
               <a:t>Fifth level</a:t>
             </a:r>
-            <a:endParaRPr lang="en-US"/>
           </a:p>
         </p:txBody>
       </p:sp>
@@ -828,7 +836,7 @@
           <a:p>
             <a:fld id="{5BCAD085-E8A6-8845-BD4E-CB4CCA059FC4}" type="datetimeFigureOut">
               <a:rPr lang="en-US" smtClean="0"/>
-              <a:t>1/27/13</a:t>
+              <a:t>10/19/2025</a:t>
             </a:fld>
             <a:endParaRPr lang="en-US"/>
           </a:p>
@@ -931,10 +939,9 @@
           </a:lstStyle>
           <a:p>
             <a:r>
-              <a:rPr lang="en-US" smtClean="0"/>
+              <a:rPr lang="en-US"/>
               <a:t>Click to edit Master title style</a:t>
             </a:r>
-            <a:endParaRPr lang="en-US"/>
           </a:p>
         </p:txBody>
       </p:sp>
@@ -1051,7 +1058,7 @@
           <a:p>
             <a:pPr lvl="0"/>
             <a:r>
-              <a:rPr lang="en-US" smtClean="0"/>
+              <a:rPr lang="en-US"/>
               <a:t>Click to edit Master text styles</a:t>
             </a:r>
           </a:p>
@@ -1074,7 +1081,7 @@
           <a:p>
             <a:fld id="{5BCAD085-E8A6-8845-BD4E-CB4CCA059FC4}" type="datetimeFigureOut">
               <a:rPr lang="en-US" smtClean="0"/>
-              <a:t>1/27/13</a:t>
+              <a:t>10/19/2025</a:t>
             </a:fld>
             <a:endParaRPr lang="en-US"/>
           </a:p>
@@ -1168,10 +1175,9 @@
           <a:lstStyle/>
           <a:p>
             <a:r>
-              <a:rPr lang="en-US" smtClean="0"/>
+              <a:rPr lang="en-US"/>
               <a:t>Click to edit Master title style</a:t>
             </a:r>
-            <a:endParaRPr lang="en-US"/>
           </a:p>
         </p:txBody>
       </p:sp>
@@ -1225,38 +1231,37 @@
           <a:p>
             <a:pPr lvl="0"/>
             <a:r>
-              <a:rPr lang="en-US" smtClean="0"/>
+              <a:rPr lang="en-US"/>
               <a:t>Click to edit Master text styles</a:t>
             </a:r>
           </a:p>
           <a:p>
             <a:pPr lvl="1"/>
             <a:r>
-              <a:rPr lang="en-US" smtClean="0"/>
+              <a:rPr lang="en-US"/>
               <a:t>Second level</a:t>
             </a:r>
           </a:p>
           <a:p>
             <a:pPr lvl="2"/>
             <a:r>
-              <a:rPr lang="en-US" smtClean="0"/>
+              <a:rPr lang="en-US"/>
               <a:t>Third level</a:t>
             </a:r>
           </a:p>
           <a:p>
             <a:pPr lvl="3"/>
             <a:r>
-              <a:rPr lang="en-US" smtClean="0"/>
+              <a:rPr lang="en-US"/>
               <a:t>Fourth level</a:t>
             </a:r>
           </a:p>
           <a:p>
             <a:pPr lvl="4"/>
             <a:r>
-              <a:rPr lang="en-US" smtClean="0"/>
+              <a:rPr lang="en-US"/>
               <a:t>Fifth level</a:t>
             </a:r>
-            <a:endParaRPr lang="en-US"/>
           </a:p>
         </p:txBody>
       </p:sp>
@@ -1310,38 +1315,37 @@
           <a:p>
             <a:pPr lvl="0"/>
             <a:r>
-              <a:rPr lang="en-US" smtClean="0"/>
+              <a:rPr lang="en-US"/>
               <a:t>Click to edit Master text styles</a:t>
             </a:r>
           </a:p>
           <a:p>
             <a:pPr lvl="1"/>
             <a:r>
-              <a:rPr lang="en-US" smtClean="0"/>
+              <a:rPr lang="en-US"/>
               <a:t>Second level</a:t>
             </a:r>
           </a:p>
           <a:p>
             <a:pPr lvl="2"/>
             <a:r>
-              <a:rPr lang="en-US" smtClean="0"/>
+              <a:rPr lang="en-US"/>
               <a:t>Third level</a:t>
             </a:r>
           </a:p>
           <a:p>
             <a:pPr lvl="3"/>
             <a:r>
-              <a:rPr lang="en-US" smtClean="0"/>
+              <a:rPr lang="en-US"/>
               <a:t>Fourth level</a:t>
             </a:r>
           </a:p>
           <a:p>
             <a:pPr lvl="4"/>
             <a:r>
-              <a:rPr lang="en-US" smtClean="0"/>
+              <a:rPr lang="en-US"/>
               <a:t>Fifth level</a:t>
             </a:r>
-            <a:endParaRPr lang="en-US"/>
           </a:p>
         </p:txBody>
       </p:sp>
@@ -1362,7 +1366,7 @@
           <a:p>
             <a:fld id="{5BCAD085-E8A6-8845-BD4E-CB4CCA059FC4}" type="datetimeFigureOut">
               <a:rPr lang="en-US" smtClean="0"/>
-              <a:t>1/27/13</a:t>
+              <a:t>10/19/2025</a:t>
             </a:fld>
             <a:endParaRPr lang="en-US"/>
           </a:p>
@@ -1460,10 +1464,9 @@
           </a:lstStyle>
           <a:p>
             <a:r>
-              <a:rPr lang="en-US" smtClean="0"/>
+              <a:rPr lang="en-US"/>
               <a:t>Click to edit Master title style</a:t>
             </a:r>
-            <a:endParaRPr lang="en-US"/>
           </a:p>
         </p:txBody>
       </p:sp>
@@ -1526,7 +1529,7 @@
           <a:p>
             <a:pPr lvl="0"/>
             <a:r>
-              <a:rPr lang="en-US" smtClean="0"/>
+              <a:rPr lang="en-US"/>
               <a:t>Click to edit Master text styles</a:t>
             </a:r>
           </a:p>
@@ -1582,38 +1585,37 @@
           <a:p>
             <a:pPr lvl="0"/>
             <a:r>
-              <a:rPr lang="en-US" smtClean="0"/>
+              <a:rPr lang="en-US"/>
               <a:t>Click to edit Master text styles</a:t>
             </a:r>
           </a:p>
           <a:p>
             <a:pPr lvl="1"/>
             <a:r>
-              <a:rPr lang="en-US" smtClean="0"/>
+              <a:rPr lang="en-US"/>
               <a:t>Second level</a:t>
             </a:r>
           </a:p>
           <a:p>
             <a:pPr lvl="2"/>
             <a:r>
-              <a:rPr lang="en-US" smtClean="0"/>
+              <a:rPr lang="en-US"/>
               <a:t>Third level</a:t>
             </a:r>
           </a:p>
           <a:p>
             <a:pPr lvl="3"/>
             <a:r>
-              <a:rPr lang="en-US" smtClean="0"/>
+              <a:rPr lang="en-US"/>
               <a:t>Fourth level</a:t>
             </a:r>
           </a:p>
           <a:p>
             <a:pPr lvl="4"/>
             <a:r>
-              <a:rPr lang="en-US" smtClean="0"/>
+              <a:rPr lang="en-US"/>
               <a:t>Fifth level</a:t>
             </a:r>
-            <a:endParaRPr lang="en-US"/>
           </a:p>
         </p:txBody>
       </p:sp>
@@ -1676,7 +1678,7 @@
           <a:p>
             <a:pPr lvl="0"/>
             <a:r>
-              <a:rPr lang="en-US" smtClean="0"/>
+              <a:rPr lang="en-US"/>
               <a:t>Click to edit Master text styles</a:t>
             </a:r>
           </a:p>
@@ -1732,38 +1734,37 @@
           <a:p>
             <a:pPr lvl="0"/>
             <a:r>
-              <a:rPr lang="en-US" smtClean="0"/>
+              <a:rPr lang="en-US"/>
               <a:t>Click to edit Master text styles</a:t>
             </a:r>
           </a:p>
           <a:p>
             <a:pPr lvl="1"/>
             <a:r>
-              <a:rPr lang="en-US" smtClean="0"/>
+              <a:rPr lang="en-US"/>
               <a:t>Second level</a:t>
             </a:r>
           </a:p>
           <a:p>
             <a:pPr lvl="2"/>
             <a:r>
-              <a:rPr lang="en-US" smtClean="0"/>
+              <a:rPr lang="en-US"/>
               <a:t>Third level</a:t>
             </a:r>
           </a:p>
           <a:p>
             <a:pPr lvl="3"/>
             <a:r>
-              <a:rPr lang="en-US" smtClean="0"/>
+              <a:rPr lang="en-US"/>
               <a:t>Fourth level</a:t>
             </a:r>
           </a:p>
           <a:p>
             <a:pPr lvl="4"/>
             <a:r>
-              <a:rPr lang="en-US" smtClean="0"/>
+              <a:rPr lang="en-US"/>
               <a:t>Fifth level</a:t>
             </a:r>
-            <a:endParaRPr lang="en-US"/>
           </a:p>
         </p:txBody>
       </p:sp>
@@ -1784,7 +1785,7 @@
           <a:p>
             <a:fld id="{5BCAD085-E8A6-8845-BD4E-CB4CCA059FC4}" type="datetimeFigureOut">
               <a:rPr lang="en-US" smtClean="0"/>
-              <a:t>1/27/13</a:t>
+              <a:t>10/19/2025</a:t>
             </a:fld>
             <a:endParaRPr lang="en-US"/>
           </a:p>
@@ -1878,10 +1879,9 @@
           <a:lstStyle/>
           <a:p>
             <a:r>
-              <a:rPr lang="en-US" smtClean="0"/>
+              <a:rPr lang="en-US"/>
               <a:t>Click to edit Master title style</a:t>
             </a:r>
-            <a:endParaRPr lang="en-US"/>
           </a:p>
         </p:txBody>
       </p:sp>
@@ -1902,7 +1902,7 @@
           <a:p>
             <a:fld id="{5BCAD085-E8A6-8845-BD4E-CB4CCA059FC4}" type="datetimeFigureOut">
               <a:rPr lang="en-US" smtClean="0"/>
-              <a:t>1/27/13</a:t>
+              <a:t>10/19/2025</a:t>
             </a:fld>
             <a:endParaRPr lang="en-US"/>
           </a:p>
@@ -1997,7 +1997,7 @@
           <a:p>
             <a:fld id="{5BCAD085-E8A6-8845-BD4E-CB4CCA059FC4}" type="datetimeFigureOut">
               <a:rPr lang="en-US" smtClean="0"/>
-              <a:t>1/27/13</a:t>
+              <a:t>10/19/2025</a:t>
             </a:fld>
             <a:endParaRPr lang="en-US"/>
           </a:p>
@@ -2100,10 +2100,9 @@
           </a:lstStyle>
           <a:p>
             <a:r>
-              <a:rPr lang="en-US" smtClean="0"/>
+              <a:rPr lang="en-US"/>
               <a:t>Click to edit Master title style</a:t>
             </a:r>
-            <a:endParaRPr lang="en-US"/>
           </a:p>
         </p:txBody>
       </p:sp>
@@ -2157,38 +2156,37 @@
           <a:p>
             <a:pPr lvl="0"/>
             <a:r>
-              <a:rPr lang="en-US" smtClean="0"/>
+              <a:rPr lang="en-US"/>
               <a:t>Click to edit Master text styles</a:t>
             </a:r>
           </a:p>
           <a:p>
             <a:pPr lvl="1"/>
             <a:r>
-              <a:rPr lang="en-US" smtClean="0"/>
+              <a:rPr lang="en-US"/>
               <a:t>Second level</a:t>
             </a:r>
           </a:p>
           <a:p>
             <a:pPr lvl="2"/>
             <a:r>
-              <a:rPr lang="en-US" smtClean="0"/>
+              <a:rPr lang="en-US"/>
               <a:t>Third level</a:t>
             </a:r>
           </a:p>
           <a:p>
             <a:pPr lvl="3"/>
             <a:r>
-              <a:rPr lang="en-US" smtClean="0"/>
+              <a:rPr lang="en-US"/>
               <a:t>Fourth level</a:t>
             </a:r>
           </a:p>
           <a:p>
             <a:pPr lvl="4"/>
             <a:r>
-              <a:rPr lang="en-US" smtClean="0"/>
+              <a:rPr lang="en-US"/>
               <a:t>Fifth level</a:t>
             </a:r>
-            <a:endParaRPr lang="en-US"/>
           </a:p>
         </p:txBody>
       </p:sp>
@@ -2251,7 +2249,7 @@
           <a:p>
             <a:pPr lvl="0"/>
             <a:r>
-              <a:rPr lang="en-US" smtClean="0"/>
+              <a:rPr lang="en-US"/>
               <a:t>Click to edit Master text styles</a:t>
             </a:r>
           </a:p>
@@ -2274,7 +2272,7 @@
           <a:p>
             <a:fld id="{5BCAD085-E8A6-8845-BD4E-CB4CCA059FC4}" type="datetimeFigureOut">
               <a:rPr lang="en-US" smtClean="0"/>
-              <a:t>1/27/13</a:t>
+              <a:t>10/19/2025</a:t>
             </a:fld>
             <a:endParaRPr lang="en-US"/>
           </a:p>
@@ -2377,10 +2375,9 @@
           </a:lstStyle>
           <a:p>
             <a:r>
-              <a:rPr lang="en-US" smtClean="0"/>
+              <a:rPr lang="en-US"/>
               <a:t>Click to edit Master title style</a:t>
             </a:r>
-            <a:endParaRPr lang="en-US"/>
           </a:p>
         </p:txBody>
       </p:sp>
@@ -2504,7 +2501,7 @@
           <a:p>
             <a:pPr lvl="0"/>
             <a:r>
-              <a:rPr lang="en-US" smtClean="0"/>
+              <a:rPr lang="en-US"/>
               <a:t>Click to edit Master text styles</a:t>
             </a:r>
           </a:p>
@@ -2527,7 +2524,7 @@
           <a:p>
             <a:fld id="{5BCAD085-E8A6-8845-BD4E-CB4CCA059FC4}" type="datetimeFigureOut">
               <a:rPr lang="en-US" smtClean="0"/>
-              <a:t>1/27/13</a:t>
+              <a:t>10/19/2025</a:t>
             </a:fld>
             <a:endParaRPr lang="en-US"/>
           </a:p>
@@ -2636,10 +2633,9 @@
           <a:lstStyle/>
           <a:p>
             <a:r>
-              <a:rPr lang="en-US" smtClean="0"/>
+              <a:rPr lang="en-US"/>
               <a:t>Click to edit Master title style</a:t>
             </a:r>
-            <a:endParaRPr lang="en-US"/>
           </a:p>
         </p:txBody>
       </p:sp>
@@ -2670,38 +2666,37 @@
           <a:p>
             <a:pPr lvl="0"/>
             <a:r>
-              <a:rPr lang="en-US" smtClean="0"/>
+              <a:rPr lang="en-US"/>
               <a:t>Click to edit Master text styles</a:t>
             </a:r>
           </a:p>
           <a:p>
             <a:pPr lvl="1"/>
             <a:r>
-              <a:rPr lang="en-US" smtClean="0"/>
+              <a:rPr lang="en-US"/>
               <a:t>Second level</a:t>
             </a:r>
           </a:p>
           <a:p>
             <a:pPr lvl="2"/>
             <a:r>
-              <a:rPr lang="en-US" smtClean="0"/>
+              <a:rPr lang="en-US"/>
               <a:t>Third level</a:t>
             </a:r>
           </a:p>
           <a:p>
             <a:pPr lvl="3"/>
             <a:r>
-              <a:rPr lang="en-US" smtClean="0"/>
+              <a:rPr lang="en-US"/>
               <a:t>Fourth level</a:t>
             </a:r>
           </a:p>
           <a:p>
             <a:pPr lvl="4"/>
             <a:r>
-              <a:rPr lang="en-US" smtClean="0"/>
+              <a:rPr lang="en-US"/>
               <a:t>Fifth level</a:t>
             </a:r>
-            <a:endParaRPr lang="en-US"/>
           </a:p>
         </p:txBody>
       </p:sp>
@@ -2740,7 +2735,7 @@
           <a:p>
             <a:fld id="{5BCAD085-E8A6-8845-BD4E-CB4CCA059FC4}" type="datetimeFigureOut">
               <a:rPr lang="en-US" smtClean="0"/>
-              <a:t>1/27/13</a:t>
+              <a:t>10/19/2025</a:t>
             </a:fld>
             <a:endParaRPr lang="en-US"/>
           </a:p>
@@ -3099,7 +3094,7 @@
 </file>
 
 <file path=ppt/slides/slide1.xml><?xml version="1.0" encoding="utf-8"?>
-<p:sld xmlns:a="http://schemas.openxmlformats.org/drawingml/2006/main" xmlns:p="http://schemas.openxmlformats.org/presentationml/2006/main" xmlns:r="http://schemas.openxmlformats.org/officeDocument/2006/relationships">
+<p:sld xmlns:a="http://schemas.openxmlformats.org/drawingml/2006/main" xmlns:r="http://schemas.openxmlformats.org/officeDocument/2006/relationships" xmlns:p="http://schemas.openxmlformats.org/presentationml/2006/main">
   <p:cSld>
     <p:spTree>
       <p:nvGrpSpPr>
@@ -3107,7 +3102,14 @@
         <p:cNvGrpSpPr/>
         <p:nvPr/>
       </p:nvGrpSpPr>
-      <p:grpSpPr/>
+      <p:grpSpPr>
+        <a:xfrm>
+          <a:off x="0" y="0"/>
+          <a:ext cx="0" cy="0"/>
+          <a:chOff x="0" y="0"/>
+          <a:chExt cx="0" cy="0"/>
+        </a:xfrm>
+      </p:grpSpPr>
       <p:sp>
         <p:nvSpPr>
           <p:cNvPr id="2" name="Title 1"/>
@@ -3164,7 +3166,7 @@
 </file>
 
 <file path=ppt/slides/slide10.xml><?xml version="1.0" encoding="utf-8"?>
-<p:sld xmlns:a="http://schemas.openxmlformats.org/drawingml/2006/main" xmlns:p="http://schemas.openxmlformats.org/presentationml/2006/main" xmlns:r="http://schemas.openxmlformats.org/officeDocument/2006/relationships">
+<p:sld xmlns:a="http://schemas.openxmlformats.org/drawingml/2006/main" xmlns:r="http://schemas.openxmlformats.org/officeDocument/2006/relationships" xmlns:p="http://schemas.openxmlformats.org/presentationml/2006/main">
   <p:cSld>
     <p:spTree>
       <p:nvGrpSpPr>
@@ -3172,7 +3174,14 @@
         <p:cNvGrpSpPr/>
         <p:nvPr/>
       </p:nvGrpSpPr>
-      <p:grpSpPr/>
+      <p:grpSpPr>
+        <a:xfrm>
+          <a:off x="0" y="0"/>
+          <a:ext cx="0" cy="0"/>
+          <a:chOff x="0" y="0"/>
+          <a:chExt cx="0" cy="0"/>
+        </a:xfrm>
+      </p:grpSpPr>
       <p:sp>
         <p:nvSpPr>
           <p:cNvPr id="2" name="Title 1"/>
@@ -3208,7 +3217,9 @@
         <p:txBody>
           <a:bodyPr/>
           <a:lstStyle/>
-          <a:p/>
+          <a:p>
+            <a:endParaRPr/>
+          </a:p>
           <a:p>
             <a:pPr>
               <a:defRPr sz="1800"/>
@@ -3237,6 +3248,7 @@
             <a:pPr>
               <a:defRPr sz="1800"/>
             </a:pPr>
+            <a:endParaRPr/>
           </a:p>
           <a:p>
             <a:pPr>
@@ -3266,6 +3278,7 @@
             <a:pPr>
               <a:defRPr sz="1800"/>
             </a:pPr>
+            <a:endParaRPr/>
           </a:p>
           <a:p>
             <a:pPr>
@@ -3295,6 +3308,7 @@
             <a:pPr>
               <a:defRPr sz="1800"/>
             </a:pPr>
+            <a:endParaRPr/>
           </a:p>
           <a:p>
             <a:pPr>
@@ -3324,6 +3338,7 @@
             <a:pPr>
               <a:defRPr sz="1800"/>
             </a:pPr>
+            <a:endParaRPr/>
           </a:p>
           <a:p>
             <a:pPr>
@@ -3360,7 +3375,7 @@
 </file>
 
 <file path=ppt/slides/slide11.xml><?xml version="1.0" encoding="utf-8"?>
-<p:sld xmlns:a="http://schemas.openxmlformats.org/drawingml/2006/main" xmlns:p="http://schemas.openxmlformats.org/presentationml/2006/main" xmlns:r="http://schemas.openxmlformats.org/officeDocument/2006/relationships">
+<p:sld xmlns:a="http://schemas.openxmlformats.org/drawingml/2006/main" xmlns:r="http://schemas.openxmlformats.org/officeDocument/2006/relationships" xmlns:p="http://schemas.openxmlformats.org/presentationml/2006/main">
   <p:cSld>
     <p:spTree>
       <p:nvGrpSpPr>
@@ -3368,7 +3383,14 @@
         <p:cNvGrpSpPr/>
         <p:nvPr/>
       </p:nvGrpSpPr>
-      <p:grpSpPr/>
+      <p:grpSpPr>
+        <a:xfrm>
+          <a:off x="0" y="0"/>
+          <a:ext cx="0" cy="0"/>
+          <a:chOff x="0" y="0"/>
+          <a:chExt cx="0" cy="0"/>
+        </a:xfrm>
+      </p:grpSpPr>
       <p:sp>
         <p:nvSpPr>
           <p:cNvPr id="2" name="Title 1"/>
@@ -3404,7 +3426,9 @@
         <p:txBody>
           <a:bodyPr/>
           <a:lstStyle/>
-          <a:p/>
+          <a:p>
+            <a:endParaRPr/>
+          </a:p>
           <a:p>
             <a:pPr>
               <a:defRPr sz="1800"/>
@@ -3441,6 +3465,7 @@
             <a:pPr>
               <a:defRPr sz="1800"/>
             </a:pPr>
+            <a:endParaRPr/>
           </a:p>
           <a:p>
             <a:pPr>
@@ -3478,6 +3503,7 @@
             <a:pPr>
               <a:defRPr sz="1800"/>
             </a:pPr>
+            <a:endParaRPr/>
           </a:p>
           <a:p>
             <a:pPr>
@@ -3515,6 +3541,7 @@
             <a:pPr>
               <a:defRPr sz="1800"/>
             </a:pPr>
+            <a:endParaRPr/>
           </a:p>
           <a:p>
             <a:pPr>
@@ -3559,7 +3586,7 @@
 </file>
 
 <file path=ppt/slides/slide12.xml><?xml version="1.0" encoding="utf-8"?>
-<p:sld xmlns:a="http://schemas.openxmlformats.org/drawingml/2006/main" xmlns:p="http://schemas.openxmlformats.org/presentationml/2006/main" xmlns:r="http://schemas.openxmlformats.org/officeDocument/2006/relationships">
+<p:sld xmlns:a="http://schemas.openxmlformats.org/drawingml/2006/main" xmlns:r="http://schemas.openxmlformats.org/officeDocument/2006/relationships" xmlns:p="http://schemas.openxmlformats.org/presentationml/2006/main">
   <p:cSld>
     <p:spTree>
       <p:nvGrpSpPr>
@@ -3567,7 +3594,14 @@
         <p:cNvGrpSpPr/>
         <p:nvPr/>
       </p:nvGrpSpPr>
-      <p:grpSpPr/>
+      <p:grpSpPr>
+        <a:xfrm>
+          <a:off x="0" y="0"/>
+          <a:ext cx="0" cy="0"/>
+          <a:chOff x="0" y="0"/>
+          <a:chExt cx="0" cy="0"/>
+        </a:xfrm>
+      </p:grpSpPr>
       <p:sp>
         <p:nvSpPr>
           <p:cNvPr id="2" name="Title 1"/>
@@ -3603,7 +3637,9 @@
         <p:txBody>
           <a:bodyPr/>
           <a:lstStyle/>
-          <a:p/>
+          <a:p>
+            <a:endParaRPr/>
+          </a:p>
           <a:p>
             <a:pPr>
               <a:defRPr sz="1800"/>
@@ -3648,6 +3684,7 @@
             <a:pPr>
               <a:defRPr sz="1800"/>
             </a:pPr>
+            <a:endParaRPr/>
           </a:p>
           <a:p>
             <a:pPr>
@@ -3685,6 +3722,7 @@
             <a:pPr>
               <a:defRPr sz="1800"/>
             </a:pPr>
+            <a:endParaRPr/>
           </a:p>
           <a:p>
             <a:pPr>
@@ -3722,6 +3760,7 @@
             <a:pPr>
               <a:defRPr sz="1800"/>
             </a:pPr>
+            <a:endParaRPr/>
           </a:p>
           <a:p>
             <a:pPr>
@@ -3766,7 +3805,7 @@
 </file>
 
 <file path=ppt/slides/slide13.xml><?xml version="1.0" encoding="utf-8"?>
-<p:sld xmlns:a="http://schemas.openxmlformats.org/drawingml/2006/main" xmlns:p="http://schemas.openxmlformats.org/presentationml/2006/main" xmlns:r="http://schemas.openxmlformats.org/officeDocument/2006/relationships">
+<p:sld xmlns:a="http://schemas.openxmlformats.org/drawingml/2006/main" xmlns:r="http://schemas.openxmlformats.org/officeDocument/2006/relationships" xmlns:p="http://schemas.openxmlformats.org/presentationml/2006/main">
   <p:cSld>
     <p:spTree>
       <p:nvGrpSpPr>
@@ -3774,7 +3813,14 @@
         <p:cNvGrpSpPr/>
         <p:nvPr/>
       </p:nvGrpSpPr>
-      <p:grpSpPr/>
+      <p:grpSpPr>
+        <a:xfrm>
+          <a:off x="0" y="0"/>
+          <a:ext cx="0" cy="0"/>
+          <a:chOff x="0" y="0"/>
+          <a:chExt cx="0" cy="0"/>
+        </a:xfrm>
+      </p:grpSpPr>
       <p:sp>
         <p:nvSpPr>
           <p:cNvPr id="2" name="Title 1"/>
@@ -3810,7 +3856,9 @@
         <p:txBody>
           <a:bodyPr/>
           <a:lstStyle/>
-          <a:p/>
+          <a:p>
+            <a:endParaRPr/>
+          </a:p>
           <a:p>
             <a:pPr>
               <a:defRPr sz="1800"/>
@@ -3847,6 +3895,7 @@
             <a:pPr>
               <a:defRPr sz="1800"/>
             </a:pPr>
+            <a:endParaRPr/>
           </a:p>
           <a:p>
             <a:pPr>
@@ -3884,6 +3933,7 @@
             <a:pPr>
               <a:defRPr sz="1800"/>
             </a:pPr>
+            <a:endParaRPr/>
           </a:p>
           <a:p>
             <a:pPr>
@@ -3929,6 +3979,7 @@
             <a:pPr>
               <a:defRPr sz="1800"/>
             </a:pPr>
+            <a:endParaRPr/>
           </a:p>
           <a:p>
             <a:pPr>
@@ -3973,7 +4024,7 @@
 </file>
 
 <file path=ppt/slides/slide14.xml><?xml version="1.0" encoding="utf-8"?>
-<p:sld xmlns:a="http://schemas.openxmlformats.org/drawingml/2006/main" xmlns:p="http://schemas.openxmlformats.org/presentationml/2006/main" xmlns:r="http://schemas.openxmlformats.org/officeDocument/2006/relationships">
+<p:sld xmlns:a="http://schemas.openxmlformats.org/drawingml/2006/main" xmlns:r="http://schemas.openxmlformats.org/officeDocument/2006/relationships" xmlns:p="http://schemas.openxmlformats.org/presentationml/2006/main">
   <p:cSld>
     <p:spTree>
       <p:nvGrpSpPr>
@@ -3981,7 +4032,14 @@
         <p:cNvGrpSpPr/>
         <p:nvPr/>
       </p:nvGrpSpPr>
-      <p:grpSpPr/>
+      <p:grpSpPr>
+        <a:xfrm>
+          <a:off x="0" y="0"/>
+          <a:ext cx="0" cy="0"/>
+          <a:chOff x="0" y="0"/>
+          <a:chExt cx="0" cy="0"/>
+        </a:xfrm>
+      </p:grpSpPr>
       <p:sp>
         <p:nvSpPr>
           <p:cNvPr id="2" name="Title 1"/>
@@ -4017,7 +4075,9 @@
         <p:txBody>
           <a:bodyPr/>
           <a:lstStyle/>
-          <a:p/>
+          <a:p>
+            <a:endParaRPr/>
+          </a:p>
           <a:p>
             <a:pPr>
               <a:defRPr sz="1800"/>
@@ -4062,6 +4122,7 @@
             <a:pPr>
               <a:defRPr sz="1800"/>
             </a:pPr>
+            <a:endParaRPr/>
           </a:p>
           <a:p>
             <a:pPr>
@@ -4107,6 +4168,7 @@
             <a:pPr>
               <a:defRPr sz="1800"/>
             </a:pPr>
+            <a:endParaRPr/>
           </a:p>
           <a:p>
             <a:pPr>
@@ -4143,7 +4205,7 @@
 </file>
 
 <file path=ppt/slides/slide15.xml><?xml version="1.0" encoding="utf-8"?>
-<p:sld xmlns:a="http://schemas.openxmlformats.org/drawingml/2006/main" xmlns:p="http://schemas.openxmlformats.org/presentationml/2006/main" xmlns:r="http://schemas.openxmlformats.org/officeDocument/2006/relationships">
+<p:sld xmlns:a="http://schemas.openxmlformats.org/drawingml/2006/main" xmlns:r="http://schemas.openxmlformats.org/officeDocument/2006/relationships" xmlns:p="http://schemas.openxmlformats.org/presentationml/2006/main">
   <p:cSld>
     <p:spTree>
       <p:nvGrpSpPr>
@@ -4151,24 +4213,14 @@
         <p:cNvGrpSpPr/>
         <p:nvPr/>
       </p:nvGrpSpPr>
-      <p:grpSpPr/>
-      <p:sp>
-        <p:nvSpPr>
-          <p:cNvPr id="2" name="Title 1"/>
-          <p:cNvSpPr>
-            <a:spLocks noGrp="1"/>
-          </p:cNvSpPr>
-          <p:nvPr>
-            <p:ph type="title"/>
-          </p:nvPr>
-        </p:nvSpPr>
-        <p:spPr/>
-        <p:txBody>
-          <a:bodyPr/>
-          <a:lstStyle/>
-          <a:p/>
-        </p:txBody>
-      </p:sp>
+      <p:grpSpPr>
+        <a:xfrm>
+          <a:off x="0" y="0"/>
+          <a:ext cx="0" cy="0"/>
+          <a:chOff x="0" y="0"/>
+          <a:chExt cx="0" cy="0"/>
+        </a:xfrm>
+      </p:grpSpPr>
       <p:sp>
         <p:nvSpPr>
           <p:cNvPr id="3" name="TextBox 2"/>
@@ -4177,7 +4229,7 @@
         </p:nvSpPr>
         <p:spPr>
           <a:xfrm>
-            <a:off x="457200" y="457200"/>
+            <a:off x="457200" y="640080"/>
             <a:ext cx="8229600" cy="731520"/>
           </a:xfrm>
           <a:prstGeom prst="rect">
@@ -4195,6 +4247,7 @@
               <a:defRPr sz="3200" b="1"/>
             </a:pPr>
             <a:r>
+              <a:rPr dirty="0"/>
               <a:t>AI Implementation Roadmap</a:t>
             </a:r>
           </a:p>
@@ -4221,7 +4274,9 @@
             <a:spAutoFit/>
           </a:bodyPr>
           <a:lstStyle/>
-          <a:p/>
+          <a:p>
+            <a:endParaRPr/>
+          </a:p>
           <a:p>
             <a:pPr>
               <a:defRPr sz="1600"/>
@@ -4266,6 +4321,7 @@
             <a:pPr>
               <a:defRPr sz="1600"/>
             </a:pPr>
+            <a:endParaRPr/>
           </a:p>
           <a:p>
             <a:pPr>
@@ -4311,6 +4367,7 @@
             <a:pPr>
               <a:defRPr sz="1600"/>
             </a:pPr>
+            <a:endParaRPr/>
           </a:p>
           <a:p>
             <a:pPr>
@@ -4375,12 +4432,15 @@
             <a:spAutoFit/>
           </a:bodyPr>
           <a:lstStyle/>
-          <a:p/>
-          <a:p>
-            <a:pPr>
-              <a:defRPr sz="1600"/>
-            </a:pPr>
-            <a:r>
+          <a:p>
+            <a:endParaRPr dirty="0"/>
+          </a:p>
+          <a:p>
+            <a:pPr>
+              <a:defRPr sz="1600"/>
+            </a:pPr>
+            <a:r>
+              <a:rPr dirty="0"/>
               <a:t>PHASE 4: Expansion (Months 4-6)</a:t>
             </a:r>
           </a:p>
@@ -4389,6 +4449,7 @@
               <a:defRPr sz="1600"/>
             </a:pPr>
             <a:r>
+              <a:rPr dirty="0"/>
               <a:t>□ Adjacent markets (cement, steel)</a:t>
             </a:r>
           </a:p>
@@ -4397,6 +4458,7 @@
               <a:defRPr sz="1600"/>
             </a:pPr>
             <a:r>
+              <a:rPr dirty="0"/>
               <a:t>□ Advanced ML models</a:t>
             </a:r>
           </a:p>
@@ -4405,6 +4467,7 @@
               <a:defRPr sz="1600"/>
             </a:pPr>
             <a:r>
+              <a:rPr dirty="0"/>
               <a:t>□ Chatbot deployment</a:t>
             </a:r>
           </a:p>
@@ -4413,6 +4476,7 @@
               <a:defRPr sz="1600"/>
             </a:pPr>
             <a:r>
+              <a:rPr dirty="0"/>
               <a:t>□ Full marketing automation</a:t>
             </a:r>
           </a:p>
@@ -4420,12 +4484,14 @@
             <a:pPr>
               <a:defRPr sz="1600"/>
             </a:pPr>
-          </a:p>
-          <a:p>
-            <a:pPr>
-              <a:defRPr sz="1600"/>
-            </a:pPr>
-            <a:r>
+            <a:endParaRPr dirty="0"/>
+          </a:p>
+          <a:p>
+            <a:pPr>
+              <a:defRPr sz="1600"/>
+            </a:pPr>
+            <a:r>
+              <a:rPr dirty="0"/>
               <a:t>Success Metrics:</a:t>
             </a:r>
           </a:p>
@@ -4434,6 +4500,7 @@
               <a:defRPr sz="1600"/>
             </a:pPr>
             <a:r>
+              <a:rPr dirty="0"/>
               <a:t>• Lead generation: 500+ per month</a:t>
             </a:r>
           </a:p>
@@ -4442,6 +4509,7 @@
               <a:defRPr sz="1600"/>
             </a:pPr>
             <a:r>
+              <a:rPr dirty="0"/>
               <a:t>• Contact accuracy: &gt;90%</a:t>
             </a:r>
           </a:p>
@@ -4450,6 +4518,7 @@
               <a:defRPr sz="1600"/>
             </a:pPr>
             <a:r>
+              <a:rPr dirty="0"/>
               <a:t>• Time to first contact: &lt;24 hours</a:t>
             </a:r>
           </a:p>
@@ -4458,6 +4527,7 @@
               <a:defRPr sz="1600"/>
             </a:pPr>
             <a:r>
+              <a:rPr dirty="0"/>
               <a:t>• Pipeline value: €50M+ annually</a:t>
             </a:r>
           </a:p>
@@ -4466,6 +4536,7 @@
               <a:defRPr sz="1600"/>
             </a:pPr>
             <a:r>
+              <a:rPr dirty="0"/>
               <a:t>• Conversion rate: 15-20%</a:t>
             </a:r>
           </a:p>
@@ -4474,6 +4545,7 @@
               <a:defRPr sz="1600"/>
             </a:pPr>
             <a:r>
+              <a:rPr dirty="0"/>
               <a:t>• Market coverage: 100%</a:t>
             </a:r>
           </a:p>
@@ -4481,12 +4553,14 @@
             <a:pPr>
               <a:defRPr sz="1600"/>
             </a:pPr>
-          </a:p>
-          <a:p>
-            <a:pPr>
-              <a:defRPr sz="1600"/>
-            </a:pPr>
-            <a:r>
+            <a:endParaRPr dirty="0"/>
+          </a:p>
+          <a:p>
+            <a:pPr>
+              <a:defRPr sz="1600"/>
+            </a:pPr>
+            <a:r>
+              <a:rPr dirty="0"/>
               <a:t>Investment Required:</a:t>
             </a:r>
           </a:p>
@@ -4495,6 +4569,7 @@
               <a:defRPr sz="1600"/>
             </a:pPr>
             <a:r>
+              <a:rPr dirty="0"/>
               <a:t>• Phase 1-2: €20,000-30,000</a:t>
             </a:r>
           </a:p>
@@ -4503,6 +4578,7 @@
               <a:defRPr sz="1600"/>
             </a:pPr>
             <a:r>
+              <a:rPr dirty="0"/>
               <a:t>• Phase 3-4: €50,000-80,000</a:t>
             </a:r>
           </a:p>
@@ -4511,6 +4587,7 @@
               <a:defRPr sz="1600"/>
             </a:pPr>
             <a:r>
+              <a:rPr dirty="0"/>
               <a:t>• Annual ongoing: €15,000-25,000</a:t>
             </a:r>
           </a:p>
@@ -4525,7 +4602,7 @@
 </file>
 
 <file path=ppt/slides/slide16.xml><?xml version="1.0" encoding="utf-8"?>
-<p:sld xmlns:a="http://schemas.openxmlformats.org/drawingml/2006/main" xmlns:p="http://schemas.openxmlformats.org/presentationml/2006/main" xmlns:r="http://schemas.openxmlformats.org/officeDocument/2006/relationships">
+<p:sld xmlns:a="http://schemas.openxmlformats.org/drawingml/2006/main" xmlns:r="http://schemas.openxmlformats.org/officeDocument/2006/relationships" xmlns:p="http://schemas.openxmlformats.org/presentationml/2006/main">
   <p:cSld>
     <p:spTree>
       <p:nvGrpSpPr>
@@ -4533,7 +4610,14 @@
         <p:cNvGrpSpPr/>
         <p:nvPr/>
       </p:nvGrpSpPr>
-      <p:grpSpPr/>
+      <p:grpSpPr>
+        <a:xfrm>
+          <a:off x="0" y="0"/>
+          <a:ext cx="0" cy="0"/>
+          <a:chOff x="0" y="0"/>
+          <a:chExt cx="0" cy="0"/>
+        </a:xfrm>
+      </p:grpSpPr>
       <p:sp>
         <p:nvSpPr>
           <p:cNvPr id="2" name="Title 1"/>
@@ -4569,7 +4653,9 @@
         <p:txBody>
           <a:bodyPr/>
           <a:lstStyle/>
-          <a:p/>
+          <a:p>
+            <a:endParaRPr/>
+          </a:p>
           <a:p>
             <a:pPr>
               <a:defRPr sz="1800"/>
@@ -4614,6 +4700,7 @@
             <a:pPr>
               <a:defRPr sz="1800"/>
             </a:pPr>
+            <a:endParaRPr/>
           </a:p>
           <a:p>
             <a:pPr>
@@ -4690,7 +4777,7 @@
 </file>
 
 <file path=ppt/slides/slide17.xml><?xml version="1.0" encoding="utf-8"?>
-<p:sld xmlns:a="http://schemas.openxmlformats.org/drawingml/2006/main" xmlns:p="http://schemas.openxmlformats.org/presentationml/2006/main" xmlns:r="http://schemas.openxmlformats.org/officeDocument/2006/relationships">
+<p:sld xmlns:a="http://schemas.openxmlformats.org/drawingml/2006/main" xmlns:r="http://schemas.openxmlformats.org/officeDocument/2006/relationships" xmlns:p="http://schemas.openxmlformats.org/presentationml/2006/main">
   <p:cSld>
     <p:spTree>
       <p:nvGrpSpPr>
@@ -4698,7 +4785,14 @@
         <p:cNvGrpSpPr/>
         <p:nvPr/>
       </p:nvGrpSpPr>
-      <p:grpSpPr/>
+      <p:grpSpPr>
+        <a:xfrm>
+          <a:off x="0" y="0"/>
+          <a:ext cx="0" cy="0"/>
+          <a:chOff x="0" y="0"/>
+          <a:chExt cx="0" cy="0"/>
+        </a:xfrm>
+      </p:grpSpPr>
       <p:sp>
         <p:nvSpPr>
           <p:cNvPr id="2" name="Title 1"/>
@@ -4734,7 +4828,9 @@
         <p:txBody>
           <a:bodyPr/>
           <a:lstStyle/>
-          <a:p/>
+          <a:p>
+            <a:endParaRPr/>
+          </a:p>
           <a:p>
             <a:pPr>
               <a:defRPr sz="1800"/>
@@ -4763,6 +4859,7 @@
             <a:pPr>
               <a:defRPr sz="1800"/>
             </a:pPr>
+            <a:endParaRPr/>
           </a:p>
           <a:p>
             <a:pPr>
@@ -4792,6 +4889,7 @@
             <a:pPr>
               <a:defRPr sz="1800"/>
             </a:pPr>
+            <a:endParaRPr/>
           </a:p>
           <a:p>
             <a:pPr>
@@ -4821,6 +4919,7 @@
             <a:pPr>
               <a:defRPr sz="1800"/>
             </a:pPr>
+            <a:endParaRPr/>
           </a:p>
           <a:p>
             <a:pPr>
@@ -4850,6 +4949,7 @@
             <a:pPr>
               <a:defRPr sz="1800"/>
             </a:pPr>
+            <a:endParaRPr/>
           </a:p>
           <a:p>
             <a:pPr>
@@ -4886,7 +4986,7 @@
 </file>
 
 <file path=ppt/slides/slide18.xml><?xml version="1.0" encoding="utf-8"?>
-<p:sld xmlns:a="http://schemas.openxmlformats.org/drawingml/2006/main" xmlns:p="http://schemas.openxmlformats.org/presentationml/2006/main" xmlns:r="http://schemas.openxmlformats.org/officeDocument/2006/relationships">
+<p:sld xmlns:a="http://schemas.openxmlformats.org/drawingml/2006/main" xmlns:r="http://schemas.openxmlformats.org/officeDocument/2006/relationships" xmlns:p="http://schemas.openxmlformats.org/presentationml/2006/main">
   <p:cSld>
     <p:spTree>
       <p:nvGrpSpPr>
@@ -4894,7 +4994,14 @@
         <p:cNvGrpSpPr/>
         <p:nvPr/>
       </p:nvGrpSpPr>
-      <p:grpSpPr/>
+      <p:grpSpPr>
+        <a:xfrm>
+          <a:off x="0" y="0"/>
+          <a:ext cx="0" cy="0"/>
+          <a:chOff x="0" y="0"/>
+          <a:chExt cx="0" cy="0"/>
+        </a:xfrm>
+      </p:grpSpPr>
       <p:sp>
         <p:nvSpPr>
           <p:cNvPr id="2" name="Title 1"/>
@@ -4930,7 +5037,9 @@
         <p:txBody>
           <a:bodyPr/>
           <a:lstStyle/>
-          <a:p/>
+          <a:p>
+            <a:endParaRPr/>
+          </a:p>
           <a:p>
             <a:pPr>
               <a:defRPr sz="1800"/>
@@ -4975,6 +5084,7 @@
             <a:pPr>
               <a:defRPr sz="1800"/>
             </a:pPr>
+            <a:endParaRPr/>
           </a:p>
           <a:p>
             <a:pPr>
@@ -5020,6 +5130,7 @@
             <a:pPr>
               <a:defRPr sz="1800"/>
             </a:pPr>
+            <a:endParaRPr/>
           </a:p>
           <a:p>
             <a:pPr>
@@ -5072,7 +5183,7 @@
 </file>
 
 <file path=ppt/slides/slide19.xml><?xml version="1.0" encoding="utf-8"?>
-<p:sld xmlns:a="http://schemas.openxmlformats.org/drawingml/2006/main" xmlns:p="http://schemas.openxmlformats.org/presentationml/2006/main" xmlns:r="http://schemas.openxmlformats.org/officeDocument/2006/relationships">
+<p:sld xmlns:a="http://schemas.openxmlformats.org/drawingml/2006/main" xmlns:r="http://schemas.openxmlformats.org/officeDocument/2006/relationships" xmlns:p="http://schemas.openxmlformats.org/presentationml/2006/main">
   <p:cSld>
     <p:spTree>
       <p:nvGrpSpPr>
@@ -5080,7 +5191,14 @@
         <p:cNvGrpSpPr/>
         <p:nvPr/>
       </p:nvGrpSpPr>
-      <p:grpSpPr/>
+      <p:grpSpPr>
+        <a:xfrm>
+          <a:off x="0" y="0"/>
+          <a:ext cx="0" cy="0"/>
+          <a:chOff x="0" y="0"/>
+          <a:chExt cx="0" cy="0"/>
+        </a:xfrm>
+      </p:grpSpPr>
       <p:sp>
         <p:nvSpPr>
           <p:cNvPr id="2" name="Title 1"/>
@@ -5116,7 +5234,9 @@
         <p:txBody>
           <a:bodyPr/>
           <a:lstStyle/>
-          <a:p/>
+          <a:p>
+            <a:endParaRPr/>
+          </a:p>
           <a:p>
             <a:pPr>
               <a:defRPr sz="1800"/>
@@ -5153,6 +5273,7 @@
             <a:pPr>
               <a:defRPr sz="1800"/>
             </a:pPr>
+            <a:endParaRPr/>
           </a:p>
           <a:p>
             <a:pPr>
@@ -5190,6 +5311,7 @@
             <a:pPr>
               <a:defRPr sz="1800"/>
             </a:pPr>
+            <a:endParaRPr/>
           </a:p>
           <a:p>
             <a:pPr>
@@ -5227,6 +5349,7 @@
             <a:pPr>
               <a:defRPr sz="1800"/>
             </a:pPr>
+            <a:endParaRPr/>
           </a:p>
           <a:p>
             <a:pPr>
@@ -5271,7 +5394,7 @@
 </file>
 
 <file path=ppt/slides/slide2.xml><?xml version="1.0" encoding="utf-8"?>
-<p:sld xmlns:a="http://schemas.openxmlformats.org/drawingml/2006/main" xmlns:p="http://schemas.openxmlformats.org/presentationml/2006/main" xmlns:r="http://schemas.openxmlformats.org/officeDocument/2006/relationships">
+<p:sld xmlns:a="http://schemas.openxmlformats.org/drawingml/2006/main" xmlns:r="http://schemas.openxmlformats.org/officeDocument/2006/relationships" xmlns:p="http://schemas.openxmlformats.org/presentationml/2006/main">
   <p:cSld>
     <p:spTree>
       <p:nvGrpSpPr>
@@ -5279,7 +5402,14 @@
         <p:cNvGrpSpPr/>
         <p:nvPr/>
       </p:nvGrpSpPr>
-      <p:grpSpPr/>
+      <p:grpSpPr>
+        <a:xfrm>
+          <a:off x="0" y="0"/>
+          <a:ext cx="0" cy="0"/>
+          <a:chOff x="0" y="0"/>
+          <a:chExt cx="0" cy="0"/>
+        </a:xfrm>
+      </p:grpSpPr>
       <p:sp>
         <p:nvSpPr>
           <p:cNvPr id="2" name="Title 1"/>
@@ -5315,7 +5445,9 @@
         <p:txBody>
           <a:bodyPr/>
           <a:lstStyle/>
-          <a:p/>
+          <a:p>
+            <a:endParaRPr/>
+          </a:p>
           <a:p>
             <a:pPr>
               <a:defRPr sz="1800"/>
@@ -5375,7 +5507,7 @@
 </file>
 
 <file path=ppt/slides/slide20.xml><?xml version="1.0" encoding="utf-8"?>
-<p:sld xmlns:a="http://schemas.openxmlformats.org/drawingml/2006/main" xmlns:p="http://schemas.openxmlformats.org/presentationml/2006/main" xmlns:r="http://schemas.openxmlformats.org/officeDocument/2006/relationships">
+<p:sld xmlns:a="http://schemas.openxmlformats.org/drawingml/2006/main" xmlns:r="http://schemas.openxmlformats.org/officeDocument/2006/relationships" xmlns:p="http://schemas.openxmlformats.org/presentationml/2006/main">
   <p:cSld>
     <p:spTree>
       <p:nvGrpSpPr>
@@ -5383,7 +5515,14 @@
         <p:cNvGrpSpPr/>
         <p:nvPr/>
       </p:nvGrpSpPr>
-      <p:grpSpPr/>
+      <p:grpSpPr>
+        <a:xfrm>
+          <a:off x="0" y="0"/>
+          <a:ext cx="0" cy="0"/>
+          <a:chOff x="0" y="0"/>
+          <a:chExt cx="0" cy="0"/>
+        </a:xfrm>
+      </p:grpSpPr>
       <p:sp>
         <p:nvSpPr>
           <p:cNvPr id="2" name="Title 1"/>
@@ -5419,7 +5558,9 @@
         <p:txBody>
           <a:bodyPr/>
           <a:lstStyle/>
-          <a:p/>
+          <a:p>
+            <a:endParaRPr/>
+          </a:p>
           <a:p>
             <a:pPr>
               <a:defRPr sz="1800"/>
@@ -5464,6 +5605,7 @@
             <a:pPr>
               <a:defRPr sz="1800"/>
             </a:pPr>
+            <a:endParaRPr/>
           </a:p>
           <a:p>
             <a:pPr>
@@ -5501,6 +5643,7 @@
             <a:pPr>
               <a:defRPr sz="1800"/>
             </a:pPr>
+            <a:endParaRPr/>
           </a:p>
           <a:p>
             <a:pPr>
@@ -5538,6 +5681,7 @@
             <a:pPr>
               <a:defRPr sz="1800"/>
             </a:pPr>
+            <a:endParaRPr/>
           </a:p>
           <a:p>
             <a:pPr>
@@ -5558,7 +5702,7 @@
 </file>
 
 <file path=ppt/slides/slide21.xml><?xml version="1.0" encoding="utf-8"?>
-<p:sld xmlns:a="http://schemas.openxmlformats.org/drawingml/2006/main" xmlns:p="http://schemas.openxmlformats.org/presentationml/2006/main" xmlns:r="http://schemas.openxmlformats.org/officeDocument/2006/relationships">
+<p:sld xmlns:a="http://schemas.openxmlformats.org/drawingml/2006/main" xmlns:r="http://schemas.openxmlformats.org/officeDocument/2006/relationships" xmlns:p="http://schemas.openxmlformats.org/presentationml/2006/main">
   <p:cSld>
     <p:spTree>
       <p:nvGrpSpPr>
@@ -5566,24 +5710,14 @@
         <p:cNvGrpSpPr/>
         <p:nvPr/>
       </p:nvGrpSpPr>
-      <p:grpSpPr/>
-      <p:sp>
-        <p:nvSpPr>
-          <p:cNvPr id="2" name="Title 1"/>
-          <p:cNvSpPr>
-            <a:spLocks noGrp="1"/>
-          </p:cNvSpPr>
-          <p:nvPr>
-            <p:ph type="title"/>
-          </p:nvPr>
-        </p:nvSpPr>
-        <p:spPr/>
-        <p:txBody>
-          <a:bodyPr/>
-          <a:lstStyle/>
-          <a:p/>
-        </p:txBody>
-      </p:sp>
+      <p:grpSpPr>
+        <a:xfrm>
+          <a:off x="0" y="0"/>
+          <a:ext cx="0" cy="0"/>
+          <a:chOff x="0" y="0"/>
+          <a:chExt cx="0" cy="0"/>
+        </a:xfrm>
+      </p:grpSpPr>
       <p:sp>
         <p:nvSpPr>
           <p:cNvPr id="3" name="TextBox 2"/>
@@ -5660,7 +5794,7 @@
 </file>
 
 <file path=ppt/slides/slide3.xml><?xml version="1.0" encoding="utf-8"?>
-<p:sld xmlns:a="http://schemas.openxmlformats.org/drawingml/2006/main" xmlns:p="http://schemas.openxmlformats.org/presentationml/2006/main" xmlns:r="http://schemas.openxmlformats.org/officeDocument/2006/relationships">
+<p:sld xmlns:a="http://schemas.openxmlformats.org/drawingml/2006/main" xmlns:r="http://schemas.openxmlformats.org/officeDocument/2006/relationships" xmlns:p="http://schemas.openxmlformats.org/presentationml/2006/main">
   <p:cSld>
     <p:spTree>
       <p:nvGrpSpPr>
@@ -5668,7 +5802,14 @@
         <p:cNvGrpSpPr/>
         <p:nvPr/>
       </p:nvGrpSpPr>
-      <p:grpSpPr/>
+      <p:grpSpPr>
+        <a:xfrm>
+          <a:off x="0" y="0"/>
+          <a:ext cx="0" cy="0"/>
+          <a:chOff x="0" y="0"/>
+          <a:chExt cx="0" cy="0"/>
+        </a:xfrm>
+      </p:grpSpPr>
       <p:sp>
         <p:nvSpPr>
           <p:cNvPr id="2" name="Title 1"/>
@@ -5704,7 +5845,9 @@
         <p:txBody>
           <a:bodyPr/>
           <a:lstStyle/>
-          <a:p/>
+          <a:p>
+            <a:endParaRPr/>
+          </a:p>
           <a:p>
             <a:pPr>
               <a:defRPr sz="1800"/>
@@ -5717,6 +5860,7 @@
             <a:pPr>
               <a:defRPr sz="1800"/>
             </a:pPr>
+            <a:endParaRPr/>
           </a:p>
           <a:p>
             <a:pPr>
@@ -5754,6 +5898,7 @@
             <a:pPr>
               <a:defRPr sz="1800"/>
             </a:pPr>
+            <a:endParaRPr/>
           </a:p>
           <a:p>
             <a:pPr>
@@ -5790,7 +5935,7 @@
 </file>
 
 <file path=ppt/slides/slide4.xml><?xml version="1.0" encoding="utf-8"?>
-<p:sld xmlns:a="http://schemas.openxmlformats.org/drawingml/2006/main" xmlns:p="http://schemas.openxmlformats.org/presentationml/2006/main" xmlns:r="http://schemas.openxmlformats.org/officeDocument/2006/relationships">
+<p:sld xmlns:a="http://schemas.openxmlformats.org/drawingml/2006/main" xmlns:r="http://schemas.openxmlformats.org/officeDocument/2006/relationships" xmlns:p="http://schemas.openxmlformats.org/presentationml/2006/main">
   <p:cSld>
     <p:spTree>
       <p:nvGrpSpPr>
@@ -5798,7 +5943,14 @@
         <p:cNvGrpSpPr/>
         <p:nvPr/>
       </p:nvGrpSpPr>
-      <p:grpSpPr/>
+      <p:grpSpPr>
+        <a:xfrm>
+          <a:off x="0" y="0"/>
+          <a:ext cx="0" cy="0"/>
+          <a:chOff x="0" y="0"/>
+          <a:chExt cx="0" cy="0"/>
+        </a:xfrm>
+      </p:grpSpPr>
       <p:sp>
         <p:nvSpPr>
           <p:cNvPr id="2" name="Title 1"/>
@@ -5834,7 +5986,9 @@
         <p:txBody>
           <a:bodyPr/>
           <a:lstStyle/>
-          <a:p/>
+          <a:p>
+            <a:endParaRPr/>
+          </a:p>
           <a:p>
             <a:pPr>
               <a:defRPr sz="1800"/>
@@ -5871,6 +6025,7 @@
             <a:pPr>
               <a:defRPr sz="1800"/>
             </a:pPr>
+            <a:endParaRPr/>
           </a:p>
           <a:p>
             <a:pPr>
@@ -5923,7 +6078,7 @@
 </file>
 
 <file path=ppt/slides/slide5.xml><?xml version="1.0" encoding="utf-8"?>
-<p:sld xmlns:a="http://schemas.openxmlformats.org/drawingml/2006/main" xmlns:p="http://schemas.openxmlformats.org/presentationml/2006/main" xmlns:r="http://schemas.openxmlformats.org/officeDocument/2006/relationships">
+<p:sld xmlns:a="http://schemas.openxmlformats.org/drawingml/2006/main" xmlns:r="http://schemas.openxmlformats.org/officeDocument/2006/relationships" xmlns:p="http://schemas.openxmlformats.org/presentationml/2006/main">
   <p:cSld>
     <p:spTree>
       <p:nvGrpSpPr>
@@ -5931,7 +6086,14 @@
         <p:cNvGrpSpPr/>
         <p:nvPr/>
       </p:nvGrpSpPr>
-      <p:grpSpPr/>
+      <p:grpSpPr>
+        <a:xfrm>
+          <a:off x="0" y="0"/>
+          <a:ext cx="0" cy="0"/>
+          <a:chOff x="0" y="0"/>
+          <a:chExt cx="0" cy="0"/>
+        </a:xfrm>
+      </p:grpSpPr>
       <p:sp>
         <p:nvSpPr>
           <p:cNvPr id="2" name="Title 1"/>
@@ -5967,7 +6129,9 @@
         <p:txBody>
           <a:bodyPr/>
           <a:lstStyle/>
-          <a:p/>
+          <a:p>
+            <a:endParaRPr/>
+          </a:p>
           <a:p>
             <a:pPr>
               <a:defRPr sz="1800"/>
@@ -5988,6 +6152,7 @@
             <a:pPr>
               <a:defRPr sz="1800"/>
             </a:pPr>
+            <a:endParaRPr/>
           </a:p>
           <a:p>
             <a:pPr>
@@ -6009,6 +6174,7 @@
             <a:pPr>
               <a:defRPr sz="1800"/>
             </a:pPr>
+            <a:endParaRPr/>
           </a:p>
           <a:p>
             <a:pPr>
@@ -6046,6 +6212,7 @@
             <a:pPr>
               <a:defRPr sz="1800"/>
             </a:pPr>
+            <a:endParaRPr/>
           </a:p>
           <a:p>
             <a:pPr>
@@ -6067,6 +6234,7 @@
             <a:pPr>
               <a:defRPr sz="1800"/>
             </a:pPr>
+            <a:endParaRPr/>
           </a:p>
           <a:p>
             <a:pPr>
@@ -6095,7 +6263,7 @@
 </file>
 
 <file path=ppt/slides/slide6.xml><?xml version="1.0" encoding="utf-8"?>
-<p:sld xmlns:a="http://schemas.openxmlformats.org/drawingml/2006/main" xmlns:p="http://schemas.openxmlformats.org/presentationml/2006/main" xmlns:r="http://schemas.openxmlformats.org/officeDocument/2006/relationships">
+<p:sld xmlns:a="http://schemas.openxmlformats.org/drawingml/2006/main" xmlns:r="http://schemas.openxmlformats.org/officeDocument/2006/relationships" xmlns:p="http://schemas.openxmlformats.org/presentationml/2006/main">
   <p:cSld>
     <p:spTree>
       <p:nvGrpSpPr>
@@ -6103,7 +6271,14 @@
         <p:cNvGrpSpPr/>
         <p:nvPr/>
       </p:nvGrpSpPr>
-      <p:grpSpPr/>
+      <p:grpSpPr>
+        <a:xfrm>
+          <a:off x="0" y="0"/>
+          <a:ext cx="0" cy="0"/>
+          <a:chOff x="0" y="0"/>
+          <a:chExt cx="0" cy="0"/>
+        </a:xfrm>
+      </p:grpSpPr>
       <p:sp>
         <p:nvSpPr>
           <p:cNvPr id="2" name="Title 1"/>
@@ -6139,7 +6314,9 @@
         <p:txBody>
           <a:bodyPr/>
           <a:lstStyle/>
-          <a:p/>
+          <a:p>
+            <a:endParaRPr/>
+          </a:p>
           <a:p>
             <a:pPr>
               <a:defRPr sz="1800"/>
@@ -6176,6 +6353,7 @@
             <a:pPr>
               <a:defRPr sz="1800"/>
             </a:pPr>
+            <a:endParaRPr/>
           </a:p>
           <a:p>
             <a:pPr>
@@ -6205,6 +6383,7 @@
             <a:pPr>
               <a:defRPr sz="1800"/>
             </a:pPr>
+            <a:endParaRPr/>
           </a:p>
           <a:p>
             <a:pPr>
@@ -6234,6 +6413,7 @@
             <a:pPr>
               <a:defRPr sz="1800"/>
             </a:pPr>
+            <a:endParaRPr/>
           </a:p>
           <a:p>
             <a:pPr>
@@ -6262,7 +6442,7 @@
 </file>
 
 <file path=ppt/slides/slide7.xml><?xml version="1.0" encoding="utf-8"?>
-<p:sld xmlns:a="http://schemas.openxmlformats.org/drawingml/2006/main" xmlns:p="http://schemas.openxmlformats.org/presentationml/2006/main" xmlns:r="http://schemas.openxmlformats.org/officeDocument/2006/relationships">
+<p:sld xmlns:a="http://schemas.openxmlformats.org/drawingml/2006/main" xmlns:r="http://schemas.openxmlformats.org/officeDocument/2006/relationships" xmlns:p="http://schemas.openxmlformats.org/presentationml/2006/main">
   <p:cSld>
     <p:spTree>
       <p:nvGrpSpPr>
@@ -6270,24 +6450,14 @@
         <p:cNvGrpSpPr/>
         <p:nvPr/>
       </p:nvGrpSpPr>
-      <p:grpSpPr/>
-      <p:sp>
-        <p:nvSpPr>
-          <p:cNvPr id="2" name="Title 1"/>
-          <p:cNvSpPr>
-            <a:spLocks noGrp="1"/>
-          </p:cNvSpPr>
-          <p:nvPr>
-            <p:ph type="title"/>
-          </p:nvPr>
-        </p:nvSpPr>
-        <p:spPr/>
-        <p:txBody>
-          <a:bodyPr/>
-          <a:lstStyle/>
-          <a:p/>
-        </p:txBody>
-      </p:sp>
+      <p:grpSpPr>
+        <a:xfrm>
+          <a:off x="0" y="0"/>
+          <a:ext cx="0" cy="0"/>
+          <a:chOff x="0" y="0"/>
+          <a:chExt cx="0" cy="0"/>
+        </a:xfrm>
+      </p:grpSpPr>
       <p:sp>
         <p:nvSpPr>
           <p:cNvPr id="3" name="TextBox 2"/>
@@ -6296,7 +6466,7 @@
         </p:nvSpPr>
         <p:spPr>
           <a:xfrm>
-            <a:off x="457200" y="457200"/>
+            <a:off x="457200" y="630936"/>
             <a:ext cx="8229600" cy="731520"/>
           </a:xfrm>
           <a:prstGeom prst="rect">
@@ -6314,6 +6484,7 @@
               <a:defRPr sz="3200" b="1"/>
             </a:pPr>
             <a:r>
+              <a:rPr dirty="0"/>
               <a:t>Geographic Coverage: 23 European Countries</a:t>
             </a:r>
           </a:p>
@@ -6340,7 +6511,9 @@
             <a:spAutoFit/>
           </a:bodyPr>
           <a:lstStyle/>
-          <a:p/>
+          <a:p>
+            <a:endParaRPr/>
+          </a:p>
           <a:p>
             <a:pPr>
               <a:defRPr sz="1600"/>
@@ -6377,6 +6550,7 @@
             <a:pPr>
               <a:defRPr sz="1600"/>
             </a:pPr>
+            <a:endParaRPr/>
           </a:p>
           <a:p>
             <a:pPr>
@@ -6422,6 +6596,7 @@
             <a:pPr>
               <a:defRPr sz="1600"/>
             </a:pPr>
+            <a:endParaRPr/>
           </a:p>
           <a:p>
             <a:pPr>
@@ -6486,12 +6661,15 @@
             <a:spAutoFit/>
           </a:bodyPr>
           <a:lstStyle/>
-          <a:p/>
-          <a:p>
-            <a:pPr>
-              <a:defRPr sz="1600"/>
-            </a:pPr>
-            <a:r>
+          <a:p>
+            <a:endParaRPr dirty="0"/>
+          </a:p>
+          <a:p>
+            <a:pPr>
+              <a:defRPr sz="1600"/>
+            </a:pPr>
+            <a:r>
+              <a:rPr dirty="0"/>
               <a:t>Emerging Markets (1-5):</a:t>
             </a:r>
           </a:p>
@@ -6500,6 +6678,7 @@
               <a:defRPr sz="1600"/>
             </a:pPr>
             <a:r>
+              <a:rPr dirty="0"/>
               <a:t>🇨🇿 Czech Republic: 5</a:t>
             </a:r>
           </a:p>
@@ -6508,6 +6687,7 @@
               <a:defRPr sz="1600"/>
             </a:pPr>
             <a:r>
+              <a:rPr dirty="0"/>
               <a:t>🇵🇹 Portugal: 4</a:t>
             </a:r>
           </a:p>
@@ -6516,6 +6696,7 @@
               <a:defRPr sz="1600"/>
             </a:pPr>
             <a:r>
+              <a:rPr dirty="0"/>
               <a:t>🇭🇺 Hungary: 2</a:t>
             </a:r>
           </a:p>
@@ -6524,6 +6705,7 @@
               <a:defRPr sz="1600"/>
             </a:pPr>
             <a:r>
+              <a:rPr dirty="0"/>
               <a:t>🇮🇪 Ireland: 2</a:t>
             </a:r>
           </a:p>
@@ -6532,6 +6714,7 @@
               <a:defRPr sz="1600"/>
             </a:pPr>
             <a:r>
+              <a:rPr dirty="0"/>
               <a:t>🇱🇹 Lithuania: 1</a:t>
             </a:r>
           </a:p>
@@ -6540,6 +6723,7 @@
               <a:defRPr sz="1600"/>
             </a:pPr>
             <a:r>
+              <a:rPr dirty="0"/>
               <a:t>🇷🇴 Romania: 1</a:t>
             </a:r>
           </a:p>
@@ -6548,6 +6732,7 @@
               <a:defRPr sz="1600"/>
             </a:pPr>
             <a:r>
+              <a:rPr dirty="0"/>
               <a:t>🇱🇺 Luxembourg: 1</a:t>
             </a:r>
           </a:p>
@@ -6556,6 +6741,7 @@
               <a:defRPr sz="1600"/>
             </a:pPr>
             <a:r>
+              <a:rPr dirty="0"/>
               <a:t>🇸🇰 Slovakia: 1</a:t>
             </a:r>
           </a:p>
@@ -6564,6 +6750,7 @@
               <a:defRPr sz="1600"/>
             </a:pPr>
             <a:r>
+              <a:rPr dirty="0"/>
               <a:t>🇸🇮 Slovenia: 1</a:t>
             </a:r>
           </a:p>
@@ -6571,12 +6758,14 @@
             <a:pPr>
               <a:defRPr sz="1600"/>
             </a:pPr>
-          </a:p>
-          <a:p>
-            <a:pPr>
-              <a:defRPr sz="1600"/>
-            </a:pPr>
-            <a:r>
+            <a:endParaRPr dirty="0"/>
+          </a:p>
+          <a:p>
+            <a:pPr>
+              <a:defRPr sz="1600"/>
+            </a:pPr>
+            <a:r>
+              <a:rPr dirty="0"/>
               <a:t>Total Coverage:</a:t>
             </a:r>
           </a:p>
@@ -6585,6 +6774,7 @@
               <a:defRPr sz="1600"/>
             </a:pPr>
             <a:r>
+              <a:rPr dirty="0"/>
               <a:t>• 23 countries</a:t>
             </a:r>
           </a:p>
@@ -6593,6 +6783,7 @@
               <a:defRPr sz="1600"/>
             </a:pPr>
             <a:r>
+              <a:rPr dirty="0"/>
               <a:t>• 522 facilities with data</a:t>
             </a:r>
           </a:p>
@@ -6601,14 +6792,24 @@
               <a:defRPr sz="1600"/>
             </a:pPr>
             <a:r>
-              <a:t>• 817 total WtE facilities</a:t>
-            </a:r>
-          </a:p>
-          <a:p>
-            <a:pPr>
-              <a:defRPr sz="1600"/>
-            </a:pPr>
-            <a:r>
+              <a:rPr dirty="0"/>
+              <a:t>• 817 total </a:t>
+            </a:r>
+            <a:r>
+              <a:rPr dirty="0" err="1"/>
+              <a:t>WtE</a:t>
+            </a:r>
+            <a:r>
+              <a:rPr dirty="0"/>
+              <a:t> facilities</a:t>
+            </a:r>
+          </a:p>
+          <a:p>
+            <a:pPr>
+              <a:defRPr sz="1600"/>
+            </a:pPr>
+            <a:r>
+              <a:rPr dirty="0"/>
               <a:t>• 64% data coverage rate</a:t>
             </a:r>
           </a:p>
@@ -6623,7 +6824,7 @@
 </file>
 
 <file path=ppt/slides/slide8.xml><?xml version="1.0" encoding="utf-8"?>
-<p:sld xmlns:a="http://schemas.openxmlformats.org/drawingml/2006/main" xmlns:p="http://schemas.openxmlformats.org/presentationml/2006/main" xmlns:r="http://schemas.openxmlformats.org/officeDocument/2006/relationships">
+<p:sld xmlns:a="http://schemas.openxmlformats.org/drawingml/2006/main" xmlns:r="http://schemas.openxmlformats.org/officeDocument/2006/relationships" xmlns:p="http://schemas.openxmlformats.org/presentationml/2006/main">
   <p:cSld>
     <p:spTree>
       <p:nvGrpSpPr>
@@ -6631,7 +6832,14 @@
         <p:cNvGrpSpPr/>
         <p:nvPr/>
       </p:nvGrpSpPr>
-      <p:grpSpPr/>
+      <p:grpSpPr>
+        <a:xfrm>
+          <a:off x="0" y="0"/>
+          <a:ext cx="0" cy="0"/>
+          <a:chOff x="0" y="0"/>
+          <a:chExt cx="0" cy="0"/>
+        </a:xfrm>
+      </p:grpSpPr>
       <p:sp>
         <p:nvSpPr>
           <p:cNvPr id="2" name="Title 1"/>
@@ -6667,7 +6875,9 @@
         <p:txBody>
           <a:bodyPr/>
           <a:lstStyle/>
-          <a:p/>
+          <a:p>
+            <a:endParaRPr/>
+          </a:p>
           <a:p>
             <a:pPr>
               <a:defRPr sz="1800"/>
@@ -6704,6 +6914,7 @@
             <a:pPr>
               <a:defRPr sz="1800"/>
             </a:pPr>
+            <a:endParaRPr/>
           </a:p>
           <a:p>
             <a:pPr>
@@ -6741,6 +6952,7 @@
             <a:pPr>
               <a:defRPr sz="1800"/>
             </a:pPr>
+            <a:endParaRPr/>
           </a:p>
           <a:p>
             <a:pPr>
@@ -6785,7 +6997,7 @@
 </file>
 
 <file path=ppt/slides/slide9.xml><?xml version="1.0" encoding="utf-8"?>
-<p:sld xmlns:a="http://schemas.openxmlformats.org/drawingml/2006/main" xmlns:p="http://schemas.openxmlformats.org/presentationml/2006/main" xmlns:r="http://schemas.openxmlformats.org/officeDocument/2006/relationships">
+<p:sld xmlns:a="http://schemas.openxmlformats.org/drawingml/2006/main" xmlns:r="http://schemas.openxmlformats.org/officeDocument/2006/relationships" xmlns:p="http://schemas.openxmlformats.org/presentationml/2006/main">
   <p:cSld>
     <p:spTree>
       <p:nvGrpSpPr>
@@ -6793,7 +7005,14 @@
         <p:cNvGrpSpPr/>
         <p:nvPr/>
       </p:nvGrpSpPr>
-      <p:grpSpPr/>
+      <p:grpSpPr>
+        <a:xfrm>
+          <a:off x="0" y="0"/>
+          <a:ext cx="0" cy="0"/>
+          <a:chOff x="0" y="0"/>
+          <a:chExt cx="0" cy="0"/>
+        </a:xfrm>
+      </p:grpSpPr>
       <p:sp>
         <p:nvSpPr>
           <p:cNvPr id="2" name="Title 1"/>
@@ -6829,7 +7048,9 @@
         <p:txBody>
           <a:bodyPr/>
           <a:lstStyle/>
-          <a:p/>
+          <a:p>
+            <a:endParaRPr/>
+          </a:p>
           <a:p>
             <a:pPr>
               <a:defRPr sz="1800"/>
@@ -6850,6 +7071,7 @@
             <a:pPr>
               <a:defRPr sz="1800"/>
             </a:pPr>
+            <a:endParaRPr/>
           </a:p>
           <a:p>
             <a:pPr>
@@ -6911,6 +7133,7 @@
             <a:pPr>
               <a:defRPr sz="1800"/>
             </a:pPr>
+            <a:endParaRPr/>
           </a:p>
           <a:p>
             <a:pPr>
